--- a/files/Market Reports/Market Update 9.19.19.pptx
+++ b/files/Market Reports/Market Update 9.19.19.pptx
@@ -6435,7 +6435,7 @@
         </p:spPr>
         <p:txBody>
           <a:bodyPr>
-            <a:normAutofit/>
+            <a:normAutofit fontScale="92500" lnSpcReduction="10000"/>
           </a:bodyPr>
           <a:lstStyle/>
           <a:p>
